--- a/final_slideshow.pptx
+++ b/final_slideshow.pptx
@@ -6509,35 +6509,7 @@
             <a:schemeClr val="bg1"/>
           </a:solidFill>
           <a:ln>
-            <a:gradFill>
-              <a:gsLst>
-                <a:gs pos="0">
-                  <a:schemeClr val="accent1">
-                    <a:lumMod val="5000"/>
-                    <a:lumOff val="95000"/>
-                  </a:schemeClr>
-                </a:gs>
-                <a:gs pos="74000">
-                  <a:schemeClr val="accent1">
-                    <a:lumMod val="45000"/>
-                    <a:lumOff val="55000"/>
-                  </a:schemeClr>
-                </a:gs>
-                <a:gs pos="83000">
-                  <a:schemeClr val="accent1">
-                    <a:lumMod val="45000"/>
-                    <a:lumOff val="55000"/>
-                  </a:schemeClr>
-                </a:gs>
-                <a:gs pos="100000">
-                  <a:schemeClr val="accent1">
-                    <a:lumMod val="30000"/>
-                    <a:lumOff val="70000"/>
-                  </a:schemeClr>
-                </a:gs>
-              </a:gsLst>
-              <a:lin ang="5400000" scaled="1"/>
-            </a:gradFill>
+            <a:noFill/>
           </a:ln>
         </p:spPr>
         <p:style>
@@ -6823,7 +6795,7 @@
           </a:lstStyle>
           <a:p>
             <a:pPr algn="ctr"/>
-            <a:endParaRPr lang="en-US" sz="6400"/>
+            <a:endParaRPr lang="en-US" sz="6400" dirty="0"/>
           </a:p>
         </p:txBody>
       </p:sp>
